--- a/Presentation1.pptx
+++ b/Presentation1.pptx
@@ -6,7 +6,9 @@
   </p:sldMasterIdLst>
   <p:sldIdLst>
     <p:sldId id="256" r:id="rId2"/>
-    <p:sldId id="257" r:id="rId3"/>
+    <p:sldId id="259" r:id="rId3"/>
+    <p:sldId id="257" r:id="rId4"/>
+    <p:sldId id="258" r:id="rId5"/>
   </p:sldIdLst>
   <p:sldSz cx="12192000" cy="6858000"/>
   <p:notesSz cx="6858000" cy="9144000"/>
@@ -105,6 +107,11 @@
       </a:defRPr>
     </a:lvl9pPr>
   </p:defaultTextStyle>
+  <p:extLst>
+    <p:ext uri="{EFAFB233-063F-42B5-8137-9DF3F51BA10A}">
+      <p15:sldGuideLst xmlns:p15="http://schemas.microsoft.com/office/powerpoint/2012/main"/>
+    </p:ext>
+  </p:extLst>
 </p:presentation>
 </file>
 
@@ -239,7 +246,7 @@
           <a:p>
             <a:fld id="{1FB263E7-E33E-034F-A015-DA30751464E1}" type="datetimeFigureOut">
               <a:rPr lang="en-US" smtClean="0"/>
-              <a:t>2/21/17</a:t>
+              <a:t>3/6/17</a:t>
             </a:fld>
             <a:endParaRPr lang="en-US"/>
           </a:p>
@@ -409,7 +416,7 @@
           <a:p>
             <a:fld id="{1FB263E7-E33E-034F-A015-DA30751464E1}" type="datetimeFigureOut">
               <a:rPr lang="en-US" smtClean="0"/>
-              <a:t>2/21/17</a:t>
+              <a:t>3/6/17</a:t>
             </a:fld>
             <a:endParaRPr lang="en-US"/>
           </a:p>
@@ -589,7 +596,7 @@
           <a:p>
             <a:fld id="{1FB263E7-E33E-034F-A015-DA30751464E1}" type="datetimeFigureOut">
               <a:rPr lang="en-US" smtClean="0"/>
-              <a:t>2/21/17</a:t>
+              <a:t>3/6/17</a:t>
             </a:fld>
             <a:endParaRPr lang="en-US"/>
           </a:p>
@@ -759,7 +766,7 @@
           <a:p>
             <a:fld id="{1FB263E7-E33E-034F-A015-DA30751464E1}" type="datetimeFigureOut">
               <a:rPr lang="en-US" smtClean="0"/>
-              <a:t>2/21/17</a:t>
+              <a:t>3/6/17</a:t>
             </a:fld>
             <a:endParaRPr lang="en-US"/>
           </a:p>
@@ -1005,7 +1012,7 @@
           <a:p>
             <a:fld id="{1FB263E7-E33E-034F-A015-DA30751464E1}" type="datetimeFigureOut">
               <a:rPr lang="en-US" smtClean="0"/>
-              <a:t>2/21/17</a:t>
+              <a:t>3/6/17</a:t>
             </a:fld>
             <a:endParaRPr lang="en-US"/>
           </a:p>
@@ -1237,7 +1244,7 @@
           <a:p>
             <a:fld id="{1FB263E7-E33E-034F-A015-DA30751464E1}" type="datetimeFigureOut">
               <a:rPr lang="en-US" smtClean="0"/>
-              <a:t>2/21/17</a:t>
+              <a:t>3/6/17</a:t>
             </a:fld>
             <a:endParaRPr lang="en-US"/>
           </a:p>
@@ -1604,7 +1611,7 @@
           <a:p>
             <a:fld id="{1FB263E7-E33E-034F-A015-DA30751464E1}" type="datetimeFigureOut">
               <a:rPr lang="en-US" smtClean="0"/>
-              <a:t>2/21/17</a:t>
+              <a:t>3/6/17</a:t>
             </a:fld>
             <a:endParaRPr lang="en-US"/>
           </a:p>
@@ -1722,7 +1729,7 @@
           <a:p>
             <a:fld id="{1FB263E7-E33E-034F-A015-DA30751464E1}" type="datetimeFigureOut">
               <a:rPr lang="en-US" smtClean="0"/>
-              <a:t>2/21/17</a:t>
+              <a:t>3/6/17</a:t>
             </a:fld>
             <a:endParaRPr lang="en-US"/>
           </a:p>
@@ -1817,7 +1824,7 @@
           <a:p>
             <a:fld id="{1FB263E7-E33E-034F-A015-DA30751464E1}" type="datetimeFigureOut">
               <a:rPr lang="en-US" smtClean="0"/>
-              <a:t>2/21/17</a:t>
+              <a:t>3/6/17</a:t>
             </a:fld>
             <a:endParaRPr lang="en-US"/>
           </a:p>
@@ -2094,7 +2101,7 @@
           <a:p>
             <a:fld id="{1FB263E7-E33E-034F-A015-DA30751464E1}" type="datetimeFigureOut">
               <a:rPr lang="en-US" smtClean="0"/>
-              <a:t>2/21/17</a:t>
+              <a:t>3/6/17</a:t>
             </a:fld>
             <a:endParaRPr lang="en-US"/>
           </a:p>
@@ -2351,7 +2358,7 @@
           <a:p>
             <a:fld id="{1FB263E7-E33E-034F-A015-DA30751464E1}" type="datetimeFigureOut">
               <a:rPr lang="en-US" smtClean="0"/>
-              <a:t>2/21/17</a:t>
+              <a:t>3/6/17</a:t>
             </a:fld>
             <a:endParaRPr lang="en-US"/>
           </a:p>
@@ -2564,7 +2571,7 @@
           <a:p>
             <a:fld id="{1FB263E7-E33E-034F-A015-DA30751464E1}" type="datetimeFigureOut">
               <a:rPr lang="en-US" smtClean="0"/>
-              <a:t>2/21/17</a:t>
+              <a:t>3/6/17</a:t>
             </a:fld>
             <a:endParaRPr lang="en-US"/>
           </a:p>
@@ -2971,13 +2978,107 @@
       </p:grpSpPr>
       <p:sp>
         <p:nvSpPr>
+          <p:cNvPr id="11" name="Rectangle 10"/>
+          <p:cNvSpPr/>
+          <p:nvPr/>
+        </p:nvSpPr>
+        <p:spPr>
+          <a:xfrm>
+            <a:off x="5486400" y="1688123"/>
+            <a:ext cx="3951557" cy="4023360"/>
+          </a:xfrm>
+          <a:prstGeom prst="rect">
+            <a:avLst/>
+          </a:prstGeom>
+          <a:solidFill>
+            <a:schemeClr val="accent4">
+              <a:lumMod val="20000"/>
+              <a:lumOff val="80000"/>
+              <a:alpha val="41000"/>
+            </a:schemeClr>
+          </a:solidFill>
+        </p:spPr>
+        <p:style>
+          <a:lnRef idx="2">
+            <a:schemeClr val="accent1">
+              <a:shade val="50000"/>
+            </a:schemeClr>
+          </a:lnRef>
+          <a:fillRef idx="1">
+            <a:schemeClr val="accent1"/>
+          </a:fillRef>
+          <a:effectRef idx="0">
+            <a:schemeClr val="accent1"/>
+          </a:effectRef>
+          <a:fontRef idx="minor">
+            <a:schemeClr val="lt1"/>
+          </a:fontRef>
+        </p:style>
+        <p:txBody>
+          <a:bodyPr rtlCol="0" anchor="ctr"/>
+          <a:lstStyle/>
+          <a:p>
+            <a:pPr algn="ctr"/>
+            <a:endParaRPr lang="en-US"/>
+          </a:p>
+        </p:txBody>
+      </p:sp>
+      <p:sp>
+        <p:nvSpPr>
+          <p:cNvPr id="31" name="Rectangle 30"/>
+          <p:cNvSpPr/>
+          <p:nvPr/>
+        </p:nvSpPr>
+        <p:spPr>
+          <a:xfrm>
+            <a:off x="1534843" y="1688484"/>
+            <a:ext cx="3951557" cy="4023360"/>
+          </a:xfrm>
+          <a:prstGeom prst="rect">
+            <a:avLst/>
+          </a:prstGeom>
+          <a:solidFill>
+            <a:schemeClr val="accent6">
+              <a:lumMod val="20000"/>
+              <a:lumOff val="80000"/>
+              <a:alpha val="41000"/>
+            </a:schemeClr>
+          </a:solidFill>
+        </p:spPr>
+        <p:style>
+          <a:lnRef idx="2">
+            <a:schemeClr val="accent1">
+              <a:shade val="50000"/>
+            </a:schemeClr>
+          </a:lnRef>
+          <a:fillRef idx="1">
+            <a:schemeClr val="accent1"/>
+          </a:fillRef>
+          <a:effectRef idx="0">
+            <a:schemeClr val="accent1"/>
+          </a:effectRef>
+          <a:fontRef idx="minor">
+            <a:schemeClr val="lt1"/>
+          </a:fontRef>
+        </p:style>
+        <p:txBody>
+          <a:bodyPr rtlCol="0" anchor="ctr"/>
+          <a:lstStyle/>
+          <a:p>
+            <a:pPr algn="ctr"/>
+            <a:endParaRPr lang="en-US"/>
+          </a:p>
+        </p:txBody>
+      </p:sp>
+      <p:sp>
+        <p:nvSpPr>
           <p:cNvPr id="8" name="Rounded Rectangle 7"/>
           <p:cNvSpPr/>
           <p:nvPr/>
         </p:nvSpPr>
         <p:spPr>
           <a:xfrm>
-            <a:off x="1534843" y="3029828"/>
+            <a:off x="1935332" y="3574363"/>
             <a:ext cx="2460381" cy="891540"/>
           </a:xfrm>
           <a:prstGeom prst="roundRect">
@@ -3009,7 +3110,7 @@
           <a:p>
             <a:pPr algn="ctr"/>
             <a:r>
-              <a:rPr lang="en-US" smtClean="0"/>
+              <a:rPr lang="en-US" dirty="0" smtClean="0"/>
               <a:t>MedicationRequest</a:t>
             </a:r>
             <a:endParaRPr lang="en-US" dirty="0"/>
@@ -3024,7 +3125,7 @@
         </p:nvSpPr>
         <p:spPr>
           <a:xfrm>
-            <a:off x="6629400" y="4078801"/>
+            <a:off x="5983750" y="4621490"/>
             <a:ext cx="2792435" cy="891540"/>
           </a:xfrm>
           <a:prstGeom prst="roundRect">
@@ -3056,7 +3157,7 @@
           <a:p>
             <a:pPr algn="ctr"/>
             <a:r>
-              <a:rPr lang="en-US" smtClean="0"/>
+              <a:rPr lang="en-US" dirty="0" smtClean="0"/>
               <a:t>MedicationDispense</a:t>
             </a:r>
             <a:endParaRPr lang="en-US" dirty="0"/>
@@ -3071,7 +3172,7 @@
         </p:nvSpPr>
         <p:spPr>
           <a:xfrm>
-            <a:off x="6629400" y="2282457"/>
+            <a:off x="5991813" y="2880684"/>
             <a:ext cx="2792434" cy="891540"/>
           </a:xfrm>
           <a:prstGeom prst="roundRect">
@@ -3103,7 +3204,7 @@
           <a:p>
             <a:pPr algn="ctr"/>
             <a:r>
-              <a:rPr lang="en-US" dirty="0" err="1" smtClean="0"/>
+              <a:rPr lang="en-US" dirty="0" smtClean="0"/>
               <a:t>MedicationAdministration</a:t>
             </a:r>
             <a:endParaRPr lang="en-US" dirty="0"/>
@@ -3121,8 +3222,8 @@
         </p:nvCxnSpPr>
         <p:spPr>
           <a:xfrm flipV="1">
-            <a:off x="3995224" y="2728227"/>
-            <a:ext cx="2634176" cy="747371"/>
+            <a:off x="4395713" y="3326454"/>
+            <a:ext cx="1596100" cy="693679"/>
           </a:xfrm>
           <a:prstGeom prst="straightConnector1">
             <a:avLst/>
@@ -3160,8 +3261,8 @@
         </p:nvCxnSpPr>
         <p:spPr>
           <a:xfrm>
-            <a:off x="3995224" y="3475598"/>
-            <a:ext cx="2634176" cy="1048973"/>
+            <a:off x="4395713" y="4020133"/>
+            <a:ext cx="1588037" cy="1047127"/>
           </a:xfrm>
           <a:prstGeom prst="straightConnector1">
             <a:avLst/>
@@ -3196,7 +3297,7 @@
         </p:nvSpPr>
         <p:spPr>
           <a:xfrm flipH="1">
-            <a:off x="7733129" y="3304353"/>
+            <a:off x="7054361" y="3875316"/>
             <a:ext cx="651215" cy="584775"/>
           </a:xfrm>
           <a:prstGeom prst="rect">
@@ -3211,7 +3312,7 @@
           <a:lstStyle/>
           <a:p>
             <a:r>
-              <a:rPr lang="en-US" sz="3200" b="1" smtClean="0"/>
+              <a:rPr lang="en-US" sz="3200" b="1" dirty="0" smtClean="0"/>
               <a:t>or</a:t>
             </a:r>
             <a:endParaRPr lang="en-US" sz="3200" b="1" dirty="0"/>
@@ -3226,8 +3327,8 @@
         </p:nvSpPr>
         <p:spPr>
           <a:xfrm>
-            <a:off x="1534843" y="792878"/>
-            <a:ext cx="8398407" cy="584775"/>
+            <a:off x="1287196" y="413679"/>
+            <a:ext cx="8398407" cy="461665"/>
           </a:xfrm>
           <a:prstGeom prst="rect">
             <a:avLst/>
@@ -3256,56 +3357,80 @@
           <a:p>
             <a:pPr algn="ctr"/>
             <a:r>
-              <a:rPr lang="en-US" sz="3200" b="1" dirty="0" smtClean="0"/>
-              <a:t>FHIR Medication Resource Workflow Overview</a:t>
-            </a:r>
-            <a:endParaRPr lang="en-US" sz="3200" b="1" dirty="0"/>
-          </a:p>
-        </p:txBody>
-      </p:sp>
-      <p:sp>
-        <p:nvSpPr>
-          <p:cNvPr id="31" name="Rectangle 30"/>
-          <p:cNvSpPr/>
+              <a:rPr lang="en-US" sz="2400" b="1" dirty="0" smtClean="0"/>
+              <a:t>Figure 1: FHIR </a:t>
+            </a:r>
+            <a:r>
+              <a:rPr lang="en-US" sz="2400" b="1" dirty="0" smtClean="0"/>
+              <a:t>Medication </a:t>
+            </a:r>
+            <a:r>
+              <a:rPr lang="en-US" sz="2400" b="1" dirty="0" smtClean="0"/>
+              <a:t>Order and Fulfillment</a:t>
+            </a:r>
+            <a:endParaRPr lang="en-US" sz="2400" b="1" dirty="0"/>
+          </a:p>
+        </p:txBody>
+      </p:sp>
+      <p:sp>
+        <p:nvSpPr>
+          <p:cNvPr id="3" name="TextBox 2"/>
+          <p:cNvSpPr txBox="1"/>
           <p:nvPr/>
         </p:nvSpPr>
         <p:spPr>
           <a:xfrm>
-            <a:off x="1534843" y="1688123"/>
-            <a:ext cx="3951557" cy="4023360"/>
+            <a:off x="1534843" y="1759733"/>
+            <a:ext cx="3810879" cy="369332"/>
           </a:xfrm>
           <a:prstGeom prst="rect">
             <a:avLst/>
           </a:prstGeom>
-          <a:solidFill>
-            <a:schemeClr val="bg1">
-              <a:lumMod val="85000"/>
-              <a:alpha val="41000"/>
-            </a:schemeClr>
-          </a:solidFill>
-        </p:spPr>
-        <p:style>
-          <a:lnRef idx="2">
-            <a:schemeClr val="accent1">
-              <a:shade val="50000"/>
-            </a:schemeClr>
-          </a:lnRef>
-          <a:fillRef idx="1">
-            <a:schemeClr val="accent1"/>
-          </a:fillRef>
-          <a:effectRef idx="0">
-            <a:schemeClr val="accent1"/>
-          </a:effectRef>
-          <a:fontRef idx="minor">
-            <a:schemeClr val="lt1"/>
-          </a:fontRef>
-        </p:style>
-        <p:txBody>
-          <a:bodyPr rtlCol="0" anchor="ctr"/>
+          <a:noFill/>
+        </p:spPr>
+        <p:txBody>
+          <a:bodyPr wrap="square" rtlCol="0">
+            <a:spAutoFit/>
+          </a:bodyPr>
           <a:lstStyle/>
           <a:p>
             <a:pPr algn="ctr"/>
-            <a:endParaRPr lang="en-US"/>
+            <a:r>
+              <a:rPr lang="en-US" dirty="0" smtClean="0"/>
+              <a:t>Representation of an order</a:t>
+            </a:r>
+            <a:endParaRPr lang="en-US" dirty="0"/>
+          </a:p>
+        </p:txBody>
+      </p:sp>
+      <p:sp>
+        <p:nvSpPr>
+          <p:cNvPr id="14" name="TextBox 13"/>
+          <p:cNvSpPr txBox="1"/>
+          <p:nvPr/>
+        </p:nvSpPr>
+        <p:spPr>
+          <a:xfrm>
+            <a:off x="5486400" y="1788583"/>
+            <a:ext cx="3935434" cy="646331"/>
+          </a:xfrm>
+          <a:prstGeom prst="rect">
+            <a:avLst/>
+          </a:prstGeom>
+          <a:noFill/>
+        </p:spPr>
+        <p:txBody>
+          <a:bodyPr wrap="square" rtlCol="0">
+            <a:spAutoFit/>
+          </a:bodyPr>
+          <a:lstStyle/>
+          <a:p>
+            <a:pPr algn="ctr"/>
+            <a:r>
+              <a:rPr lang="en-US" dirty="0" smtClean="0"/>
+              <a:t>Representation of the fulfillment event as the direct result of an order</a:t>
+            </a:r>
+            <a:endParaRPr lang="en-US" dirty="0"/>
           </a:p>
         </p:txBody>
       </p:sp>
@@ -3319,6 +3444,13 @@
   <p:clrMapOvr>
     <a:masterClrMapping/>
   </p:clrMapOvr>
+  <p:timing>
+    <p:tnLst>
+      <p:par>
+        <p:cTn id="1" dur="indefinite" restart="never" nodeType="tmRoot"/>
+      </p:par>
+    </p:tnLst>
+  </p:timing>
 </p:sld>
 </file>
 
@@ -3341,14 +3473,108 @@
       </p:grpSpPr>
       <p:sp>
         <p:nvSpPr>
+          <p:cNvPr id="11" name="Rectangle 10"/>
+          <p:cNvSpPr/>
+          <p:nvPr/>
+        </p:nvSpPr>
+        <p:spPr>
+          <a:xfrm>
+            <a:off x="5486400" y="1688123"/>
+            <a:ext cx="3951557" cy="4023360"/>
+          </a:xfrm>
+          <a:prstGeom prst="rect">
+            <a:avLst/>
+          </a:prstGeom>
+          <a:solidFill>
+            <a:schemeClr val="accent4">
+              <a:lumMod val="20000"/>
+              <a:lumOff val="80000"/>
+              <a:alpha val="41000"/>
+            </a:schemeClr>
+          </a:solidFill>
+        </p:spPr>
+        <p:style>
+          <a:lnRef idx="2">
+            <a:schemeClr val="accent1">
+              <a:shade val="50000"/>
+            </a:schemeClr>
+          </a:lnRef>
+          <a:fillRef idx="1">
+            <a:schemeClr val="accent1"/>
+          </a:fillRef>
+          <a:effectRef idx="0">
+            <a:schemeClr val="accent1"/>
+          </a:effectRef>
+          <a:fontRef idx="minor">
+            <a:schemeClr val="lt1"/>
+          </a:fontRef>
+        </p:style>
+        <p:txBody>
+          <a:bodyPr rtlCol="0" anchor="ctr"/>
+          <a:lstStyle/>
+          <a:p>
+            <a:pPr algn="ctr"/>
+            <a:endParaRPr lang="en-US"/>
+          </a:p>
+        </p:txBody>
+      </p:sp>
+      <p:sp>
+        <p:nvSpPr>
+          <p:cNvPr id="31" name="Rectangle 30"/>
+          <p:cNvSpPr/>
+          <p:nvPr/>
+        </p:nvSpPr>
+        <p:spPr>
+          <a:xfrm>
+            <a:off x="1534843" y="1688484"/>
+            <a:ext cx="3951557" cy="4023360"/>
+          </a:xfrm>
+          <a:prstGeom prst="rect">
+            <a:avLst/>
+          </a:prstGeom>
+          <a:solidFill>
+            <a:schemeClr val="accent6">
+              <a:lumMod val="20000"/>
+              <a:lumOff val="80000"/>
+              <a:alpha val="41000"/>
+            </a:schemeClr>
+          </a:solidFill>
+        </p:spPr>
+        <p:style>
+          <a:lnRef idx="2">
+            <a:schemeClr val="accent1">
+              <a:shade val="50000"/>
+            </a:schemeClr>
+          </a:lnRef>
+          <a:fillRef idx="1">
+            <a:schemeClr val="accent1"/>
+          </a:fillRef>
+          <a:effectRef idx="0">
+            <a:schemeClr val="accent1"/>
+          </a:effectRef>
+          <a:fontRef idx="minor">
+            <a:schemeClr val="lt1"/>
+          </a:fontRef>
+        </p:style>
+        <p:txBody>
+          <a:bodyPr rtlCol="0" anchor="ctr"/>
+          <a:lstStyle/>
+          <a:p>
+            <a:pPr algn="ctr"/>
+            <a:endParaRPr lang="en-US"/>
+          </a:p>
+        </p:txBody>
+      </p:sp>
+      <p:sp>
+        <p:nvSpPr>
           <p:cNvPr id="8" name="Rounded Rectangle 7"/>
           <p:cNvSpPr/>
           <p:nvPr/>
         </p:nvSpPr>
         <p:spPr>
           <a:xfrm>
-            <a:off x="718915" y="3198640"/>
-            <a:ext cx="2460381" cy="891540"/>
+            <a:off x="5991812" y="3700248"/>
+            <a:ext cx="2792435" cy="891540"/>
           </a:xfrm>
           <a:prstGeom prst="roundRect">
             <a:avLst/>
@@ -3379,8 +3605,8 @@
           <a:p>
             <a:pPr algn="ctr"/>
             <a:r>
-              <a:rPr lang="en-US" dirty="0" smtClean="0"/>
-              <a:t>Patient Reported Medications</a:t>
+              <a:rPr lang="en-US" smtClean="0"/>
+              <a:t>MedicationStatement</a:t>
             </a:r>
             <a:endParaRPr lang="en-US" dirty="0"/>
           </a:p>
@@ -3394,7 +3620,7 @@
         </p:nvSpPr>
         <p:spPr>
           <a:xfrm>
-            <a:off x="5813472" y="4247613"/>
+            <a:off x="2040255" y="4635127"/>
             <a:ext cx="2792435" cy="891540"/>
           </a:xfrm>
           <a:prstGeom prst="roundRect">
@@ -3426,8 +3652,113 @@
           <a:p>
             <a:pPr algn="ctr"/>
             <a:r>
+              <a:rPr lang="en-US" smtClean="0"/>
+              <a:t>Derived From the System’s MedicationRequest resources</a:t>
+            </a:r>
+            <a:endParaRPr lang="en-US" dirty="0"/>
+          </a:p>
+        </p:txBody>
+      </p:sp>
+      <p:cxnSp>
+        <p:nvCxnSpPr>
+          <p:cNvPr id="18" name="Straight Arrow Connector 17"/>
+          <p:cNvCxnSpPr/>
+          <p:nvPr/>
+        </p:nvCxnSpPr>
+        <p:spPr>
+          <a:xfrm flipH="1" flipV="1">
+            <a:off x="4832688" y="3276758"/>
+            <a:ext cx="1143000" cy="927098"/>
+          </a:xfrm>
+          <a:prstGeom prst="straightConnector1">
+            <a:avLst/>
+          </a:prstGeom>
+          <a:ln w="38100">
+            <a:solidFill>
+              <a:schemeClr val="tx1"/>
+            </a:solidFill>
+            <a:headEnd type="triangle" w="lg" len="lg"/>
+            <a:tailEnd type="none" w="lg" len="lg"/>
+          </a:ln>
+        </p:spPr>
+        <p:style>
+          <a:lnRef idx="1">
+            <a:schemeClr val="accent1"/>
+          </a:lnRef>
+          <a:fillRef idx="0">
+            <a:schemeClr val="accent1"/>
+          </a:fillRef>
+          <a:effectRef idx="0">
+            <a:schemeClr val="accent1"/>
+          </a:effectRef>
+          <a:fontRef idx="minor">
+            <a:schemeClr val="tx1"/>
+          </a:fontRef>
+        </p:style>
+      </p:cxnSp>
+      <p:cxnSp>
+        <p:nvCxnSpPr>
+          <p:cNvPr id="19" name="Straight Arrow Connector 18"/>
+          <p:cNvCxnSpPr/>
+          <p:nvPr/>
+        </p:nvCxnSpPr>
+        <p:spPr>
+          <a:xfrm flipH="1">
+            <a:off x="4848814" y="4189357"/>
+            <a:ext cx="1126875" cy="976592"/>
+          </a:xfrm>
+          <a:prstGeom prst="straightConnector1">
+            <a:avLst/>
+          </a:prstGeom>
+          <a:ln w="38100">
+            <a:solidFill>
+              <a:schemeClr val="tx1"/>
+            </a:solidFill>
+            <a:headEnd type="triangle" w="lg" len="lg"/>
+            <a:tailEnd type="none" w="lg" len="lg"/>
+          </a:ln>
+        </p:spPr>
+        <p:style>
+          <a:lnRef idx="1">
+            <a:schemeClr val="accent1"/>
+          </a:lnRef>
+          <a:fillRef idx="0">
+            <a:schemeClr val="accent1"/>
+          </a:fillRef>
+          <a:effectRef idx="0">
+            <a:schemeClr val="accent1"/>
+          </a:effectRef>
+          <a:fontRef idx="minor">
+            <a:schemeClr val="tx1"/>
+          </a:fontRef>
+        </p:style>
+      </p:cxnSp>
+      <p:sp>
+        <p:nvSpPr>
+          <p:cNvPr id="3" name="TextBox 2"/>
+          <p:cNvSpPr txBox="1"/>
+          <p:nvPr/>
+        </p:nvSpPr>
+        <p:spPr>
+          <a:xfrm>
+            <a:off x="1534843" y="1759733"/>
+            <a:ext cx="3810879" cy="646331"/>
+          </a:xfrm>
+          <a:prstGeom prst="rect">
+            <a:avLst/>
+          </a:prstGeom>
+          <a:noFill/>
+        </p:spPr>
+        <p:txBody>
+          <a:bodyPr wrap="square" rtlCol="0">
+            <a:spAutoFit/>
+          </a:bodyPr>
+          <a:lstStyle/>
+          <a:p>
+            <a:pPr algn="ctr"/>
+            <a:r>
               <a:rPr lang="en-US" dirty="0" smtClean="0"/>
-              <a:t>Derived From Patient provided records*</a:t>
+              <a:t>Source of information for MedicationStatement</a:t>
             </a:r>
             <a:endParaRPr lang="en-US" dirty="0"/>
           </a:p>
@@ -3435,14 +3766,53 @@
       </p:sp>
       <p:sp>
         <p:nvSpPr>
-          <p:cNvPr id="10" name="Rounded Rectangle 9"/>
+          <p:cNvPr id="14" name="TextBox 13"/>
+          <p:cNvSpPr txBox="1"/>
+          <p:nvPr/>
+        </p:nvSpPr>
+        <p:spPr>
+          <a:xfrm>
+            <a:off x="5486400" y="1788583"/>
+            <a:ext cx="3935434" cy="646331"/>
+          </a:xfrm>
+          <a:prstGeom prst="rect">
+            <a:avLst/>
+          </a:prstGeom>
+          <a:noFill/>
+        </p:spPr>
+        <p:txBody>
+          <a:bodyPr wrap="square" rtlCol="0">
+            <a:spAutoFit/>
+          </a:bodyPr>
+          <a:lstStyle/>
+          <a:p>
+            <a:pPr algn="ctr"/>
+            <a:r>
+              <a:rPr lang="en-US" dirty="0" smtClean="0"/>
+              <a:t>MedicationStatement - Record </a:t>
+            </a:r>
+            <a:r>
+              <a:rPr lang="en-US" dirty="0"/>
+              <a:t>for past present and future medications taken</a:t>
+            </a:r>
+            <a:r>
+              <a:rPr lang="en-US" dirty="0" smtClean="0"/>
+              <a:t> </a:t>
+            </a:r>
+            <a:endParaRPr lang="en-US" dirty="0"/>
+          </a:p>
+        </p:txBody>
+      </p:sp>
+      <p:sp>
+        <p:nvSpPr>
+          <p:cNvPr id="28" name="Rounded Rectangle 27"/>
           <p:cNvSpPr/>
           <p:nvPr/>
         </p:nvSpPr>
         <p:spPr>
           <a:xfrm>
-            <a:off x="5813472" y="2451269"/>
-            <a:ext cx="2792434" cy="891540"/>
+            <a:off x="2040255" y="2866546"/>
+            <a:ext cx="2792435" cy="891540"/>
           </a:xfrm>
           <a:prstGeom prst="roundRect">
             <a:avLst/>
@@ -3474,7 +3844,15 @@
             <a:pPr algn="ctr"/>
             <a:r>
               <a:rPr lang="en-US" dirty="0" smtClean="0"/>
-              <a:t>Directly reported by Patient</a:t>
+              <a:t>Patient </a:t>
+            </a:r>
+            <a:r>
+              <a:rPr lang="en-US" dirty="0"/>
+              <a:t>Reported </a:t>
+            </a:r>
+            <a:r>
+              <a:rPr lang="en-US" dirty="0" smtClean="0"/>
+              <a:t>Medications </a:t>
             </a:r>
             <a:endParaRPr lang="en-US" dirty="0"/>
           </a:p>
@@ -3482,13 +3860,141 @@
       </p:sp>
       <p:sp>
         <p:nvSpPr>
-          <p:cNvPr id="11" name="Rounded Rectangle 10"/>
+          <p:cNvPr id="32" name="TextBox 31"/>
+          <p:cNvSpPr txBox="1"/>
+          <p:nvPr/>
+        </p:nvSpPr>
+        <p:spPr>
+          <a:xfrm>
+            <a:off x="1670098" y="540430"/>
+            <a:ext cx="7632604" cy="584775"/>
+          </a:xfrm>
+          <a:prstGeom prst="rect">
+            <a:avLst/>
+          </a:prstGeom>
+          <a:solidFill>
+            <a:schemeClr val="bg1"/>
+          </a:solidFill>
+          <a:ln>
+            <a:solidFill>
+              <a:schemeClr val="tx1"/>
+            </a:solidFill>
+          </a:ln>
+          <a:effectLst>
+            <a:outerShdw blurRad="50800" dist="38100" dir="2700000" algn="tl" rotWithShape="0">
+              <a:prstClr val="black">
+                <a:alpha val="40000"/>
+              </a:prstClr>
+            </a:outerShdw>
+          </a:effectLst>
+        </p:spPr>
+        <p:txBody>
+          <a:bodyPr wrap="square" rtlCol="0">
+            <a:spAutoFit/>
+          </a:bodyPr>
+          <a:lstStyle/>
+          <a:p>
+            <a:pPr algn="ctr"/>
+            <a:r>
+              <a:rPr lang="en-US" sz="3200" b="1" smtClean="0"/>
+              <a:t>What MedicationStatement Represents</a:t>
+            </a:r>
+            <a:endParaRPr lang="en-US" sz="3200" b="1" dirty="0"/>
+          </a:p>
+        </p:txBody>
+      </p:sp>
+    </p:spTree>
+    <p:extLst>
+      <p:ext uri="{BB962C8B-B14F-4D97-AF65-F5344CB8AC3E}">
+        <p14:creationId xmlns:p14="http://schemas.microsoft.com/office/powerpoint/2010/main" val="753348820"/>
+      </p:ext>
+    </p:extLst>
+  </p:cSld>
+  <p:clrMapOvr>
+    <a:masterClrMapping/>
+  </p:clrMapOvr>
+  <p:timing>
+    <p:tnLst>
+      <p:par>
+        <p:cTn id="1" dur="indefinite" restart="never" nodeType="tmRoot"/>
+      </p:par>
+    </p:tnLst>
+  </p:timing>
+</p:sld>
+</file>
+
+<file path=ppt/slides/slide3.xml><?xml version="1.0" encoding="utf-8"?>
+<p:sld xmlns:a="http://schemas.openxmlformats.org/drawingml/2006/main" xmlns:r="http://schemas.openxmlformats.org/officeDocument/2006/relationships" xmlns:p="http://schemas.openxmlformats.org/presentationml/2006/main">
+  <p:cSld>
+    <p:spTree>
+      <p:nvGrpSpPr>
+        <p:cNvPr id="1" name=""/>
+        <p:cNvGrpSpPr/>
+        <p:nvPr/>
+      </p:nvGrpSpPr>
+      <p:grpSpPr>
+        <a:xfrm>
+          <a:off x="0" y="0"/>
+          <a:ext cx="0" cy="0"/>
+          <a:chOff x="0" y="0"/>
+          <a:chExt cx="0" cy="0"/>
+        </a:xfrm>
+      </p:grpSpPr>
+      <p:sp>
+        <p:nvSpPr>
+          <p:cNvPr id="6" name="Rectangle 5"/>
           <p:cNvSpPr/>
           <p:nvPr/>
         </p:nvSpPr>
         <p:spPr>
           <a:xfrm>
-            <a:off x="8643715" y="1062702"/>
+            <a:off x="562709" y="759655"/>
+            <a:ext cx="10761784" cy="1449021"/>
+          </a:xfrm>
+          <a:prstGeom prst="rect">
+            <a:avLst/>
+          </a:prstGeom>
+          <a:solidFill>
+            <a:schemeClr val="accent6">
+              <a:lumMod val="20000"/>
+              <a:lumOff val="80000"/>
+            </a:schemeClr>
+          </a:solidFill>
+        </p:spPr>
+        <p:style>
+          <a:lnRef idx="2">
+            <a:schemeClr val="accent1">
+              <a:shade val="50000"/>
+            </a:schemeClr>
+          </a:lnRef>
+          <a:fillRef idx="1">
+            <a:schemeClr val="accent1"/>
+          </a:fillRef>
+          <a:effectRef idx="0">
+            <a:schemeClr val="accent1"/>
+          </a:effectRef>
+          <a:fontRef idx="minor">
+            <a:schemeClr val="lt1"/>
+          </a:fontRef>
+        </p:style>
+        <p:txBody>
+          <a:bodyPr rtlCol="0" anchor="ctr"/>
+          <a:lstStyle/>
+          <a:p>
+            <a:pPr algn="ctr"/>
+            <a:endParaRPr lang="en-US"/>
+          </a:p>
+        </p:txBody>
+      </p:sp>
+      <p:sp>
+        <p:nvSpPr>
+          <p:cNvPr id="8" name="Rounded Rectangle 7"/>
+          <p:cNvSpPr/>
+          <p:nvPr/>
+        </p:nvSpPr>
+        <p:spPr>
+          <a:xfrm>
+            <a:off x="718915" y="3198640"/>
             <a:ext cx="2460381" cy="891540"/>
           </a:xfrm>
           <a:prstGeom prst="roundRect">
@@ -3521,11 +4027,7 @@
             <a:pPr algn="ctr"/>
             <a:r>
               <a:rPr lang="en-US" dirty="0" smtClean="0"/>
-              <a:t>Derived From </a:t>
-            </a:r>
-            <a:r>
-              <a:rPr lang="en-US" dirty="0" err="1" smtClean="0"/>
-              <a:t>MedicationRequest</a:t>
+              <a:t>Patient Reported Medications</a:t>
             </a:r>
             <a:endParaRPr lang="en-US" dirty="0"/>
           </a:p>
@@ -3533,14 +4035,14 @@
       </p:sp>
       <p:sp>
         <p:nvSpPr>
-          <p:cNvPr id="12" name="Rounded Rectangle 11"/>
+          <p:cNvPr id="9" name="Rounded Rectangle 8"/>
           <p:cNvSpPr/>
           <p:nvPr/>
         </p:nvSpPr>
         <p:spPr>
           <a:xfrm>
-            <a:off x="4749309" y="1062702"/>
-            <a:ext cx="2460381" cy="891540"/>
+            <a:off x="5813472" y="4247613"/>
+            <a:ext cx="2792435" cy="891540"/>
           </a:xfrm>
           <a:prstGeom prst="roundRect">
             <a:avLst/>
@@ -3572,7 +4074,7 @@
             <a:pPr algn="ctr"/>
             <a:r>
               <a:rPr lang="en-US" dirty="0" smtClean="0"/>
-              <a:t>Patient Reported Medications</a:t>
+              <a:t>Derived From Patient provided records*</a:t>
             </a:r>
             <a:endParaRPr lang="en-US" dirty="0"/>
           </a:p>
@@ -3580,14 +4082,14 @@
       </p:sp>
       <p:sp>
         <p:nvSpPr>
-          <p:cNvPr id="13" name="Rounded Rectangle 12"/>
+          <p:cNvPr id="10" name="Rounded Rectangle 9"/>
           <p:cNvSpPr/>
           <p:nvPr/>
         </p:nvSpPr>
         <p:spPr>
           <a:xfrm>
-            <a:off x="718915" y="1062702"/>
-            <a:ext cx="2460381" cy="891540"/>
+            <a:off x="5813472" y="2451269"/>
+            <a:ext cx="2792434" cy="891540"/>
           </a:xfrm>
           <a:prstGeom prst="roundRect">
             <a:avLst/>
@@ -3618,7 +4120,148 @@
           <a:p>
             <a:pPr algn="ctr"/>
             <a:r>
-              <a:rPr lang="en-US" dirty="0" err="1" smtClean="0"/>
+              <a:rPr lang="en-US" dirty="0" smtClean="0"/>
+              <a:t>Directly reported by Patient</a:t>
+            </a:r>
+            <a:endParaRPr lang="en-US" dirty="0"/>
+          </a:p>
+        </p:txBody>
+      </p:sp>
+      <p:sp>
+        <p:nvSpPr>
+          <p:cNvPr id="11" name="Rounded Rectangle 10"/>
+          <p:cNvSpPr/>
+          <p:nvPr/>
+        </p:nvSpPr>
+        <p:spPr>
+          <a:xfrm>
+            <a:off x="8643715" y="1062702"/>
+            <a:ext cx="2460381" cy="891540"/>
+          </a:xfrm>
+          <a:prstGeom prst="roundRect">
+            <a:avLst/>
+          </a:prstGeom>
+          <a:ln>
+            <a:solidFill>
+              <a:schemeClr val="tx1"/>
+            </a:solidFill>
+          </a:ln>
+        </p:spPr>
+        <p:style>
+          <a:lnRef idx="1">
+            <a:schemeClr val="accent4"/>
+          </a:lnRef>
+          <a:fillRef idx="2">
+            <a:schemeClr val="accent4"/>
+          </a:fillRef>
+          <a:effectRef idx="1">
+            <a:schemeClr val="accent4"/>
+          </a:effectRef>
+          <a:fontRef idx="minor">
+            <a:schemeClr val="dk1"/>
+          </a:fontRef>
+        </p:style>
+        <p:txBody>
+          <a:bodyPr rtlCol="0" anchor="ctr"/>
+          <a:lstStyle/>
+          <a:p>
+            <a:pPr algn="ctr"/>
+            <a:r>
+              <a:rPr lang="en-US" dirty="0" smtClean="0"/>
+              <a:t>Derived From </a:t>
+            </a:r>
+            <a:r>
+              <a:rPr lang="en-US" dirty="0" smtClean="0"/>
+              <a:t>the System’s MedicationRequest</a:t>
+            </a:r>
+            <a:endParaRPr lang="en-US" dirty="0"/>
+          </a:p>
+        </p:txBody>
+      </p:sp>
+      <p:sp>
+        <p:nvSpPr>
+          <p:cNvPr id="12" name="Rounded Rectangle 11"/>
+          <p:cNvSpPr/>
+          <p:nvPr/>
+        </p:nvSpPr>
+        <p:spPr>
+          <a:xfrm>
+            <a:off x="4749309" y="1062702"/>
+            <a:ext cx="2460381" cy="891540"/>
+          </a:xfrm>
+          <a:prstGeom prst="roundRect">
+            <a:avLst/>
+          </a:prstGeom>
+          <a:ln>
+            <a:solidFill>
+              <a:schemeClr val="tx1"/>
+            </a:solidFill>
+          </a:ln>
+        </p:spPr>
+        <p:style>
+          <a:lnRef idx="1">
+            <a:schemeClr val="accent4"/>
+          </a:lnRef>
+          <a:fillRef idx="2">
+            <a:schemeClr val="accent4"/>
+          </a:fillRef>
+          <a:effectRef idx="1">
+            <a:schemeClr val="accent4"/>
+          </a:effectRef>
+          <a:fontRef idx="minor">
+            <a:schemeClr val="dk1"/>
+          </a:fontRef>
+        </p:style>
+        <p:txBody>
+          <a:bodyPr rtlCol="0" anchor="ctr"/>
+          <a:lstStyle/>
+          <a:p>
+            <a:pPr algn="ctr"/>
+            <a:endParaRPr lang="en-US" dirty="0"/>
+          </a:p>
+        </p:txBody>
+      </p:sp>
+      <p:sp>
+        <p:nvSpPr>
+          <p:cNvPr id="13" name="Rounded Rectangle 12"/>
+          <p:cNvSpPr/>
+          <p:nvPr/>
+        </p:nvSpPr>
+        <p:spPr>
+          <a:xfrm>
+            <a:off x="718915" y="1062702"/>
+            <a:ext cx="2460381" cy="891540"/>
+          </a:xfrm>
+          <a:prstGeom prst="roundRect">
+            <a:avLst/>
+          </a:prstGeom>
+          <a:ln>
+            <a:solidFill>
+              <a:schemeClr val="tx1"/>
+            </a:solidFill>
+          </a:ln>
+        </p:spPr>
+        <p:style>
+          <a:lnRef idx="1">
+            <a:schemeClr val="accent4"/>
+          </a:lnRef>
+          <a:fillRef idx="2">
+            <a:schemeClr val="accent4"/>
+          </a:fillRef>
+          <a:effectRef idx="1">
+            <a:schemeClr val="accent4"/>
+          </a:effectRef>
+          <a:fontRef idx="minor">
+            <a:schemeClr val="dk1"/>
+          </a:fontRef>
+        </p:style>
+        <p:txBody>
+          <a:bodyPr rtlCol="0" anchor="ctr"/>
+          <a:lstStyle/>
+          <a:p>
+            <a:pPr algn="ctr"/>
+            <a:r>
+              <a:rPr lang="en-US" dirty="0" smtClean="0"/>
               <a:t>MedicationStatement</a:t>
             </a:r>
             <a:endParaRPr lang="en-US" dirty="0"/>
@@ -3829,28 +4472,8 @@
           <a:lstStyle/>
           <a:p>
             <a:r>
-              <a:rPr lang="en-US" smtClean="0"/>
-              <a:t>* Including</a:t>
-            </a:r>
-            <a:r>
               <a:rPr lang="en-US" dirty="0" smtClean="0"/>
-              <a:t>: </a:t>
-            </a:r>
-            <a:r>
-              <a:rPr lang="en-US" dirty="0" err="1" smtClean="0"/>
-              <a:t>MedicationStatement</a:t>
-            </a:r>
-            <a:r>
-              <a:rPr lang="en-US" dirty="0" smtClean="0"/>
-              <a:t>, </a:t>
-            </a:r>
-            <a:r>
-              <a:rPr lang="en-US" dirty="0" err="1" smtClean="0"/>
-              <a:t>MedicationDispense</a:t>
-            </a:r>
-            <a:r>
-              <a:rPr lang="en-US" dirty="0" smtClean="0"/>
-              <a:t>, Claim, </a:t>
+              <a:t>* Including: MedicationStatement, MedicationDispense, Claim, </a:t>
             </a:r>
             <a:r>
               <a:rPr lang="en-US" dirty="0" err="1" smtClean="0"/>
@@ -3879,7 +4502,7 @@
         </p:nvSpPr>
         <p:spPr>
           <a:xfrm>
-            <a:off x="2214770" y="152615"/>
+            <a:off x="0" y="4895977"/>
             <a:ext cx="7632604" cy="584775"/>
           </a:xfrm>
           <a:prstGeom prst="rect">
@@ -3909,16 +4532,8 @@
           <a:p>
             <a:pPr algn="ctr"/>
             <a:r>
-              <a:rPr lang="en-US" sz="3200" b="1" dirty="0" smtClean="0"/>
-              <a:t>What </a:t>
-            </a:r>
-            <a:r>
-              <a:rPr lang="en-US" sz="3200" b="1" dirty="0" err="1" smtClean="0"/>
-              <a:t>MedicationStatement</a:t>
-            </a:r>
-            <a:r>
-              <a:rPr lang="en-US" sz="3200" b="1" dirty="0" smtClean="0"/>
-              <a:t> Represents</a:t>
+              <a:rPr lang="en-US" sz="3200" b="1" smtClean="0"/>
+              <a:t>What MedicationStatement Represents</a:t>
             </a:r>
             <a:endParaRPr lang="en-US" sz="3200" b="1" dirty="0"/>
           </a:p>
@@ -3934,6 +4549,50 @@
   <p:clrMapOvr>
     <a:masterClrMapping/>
   </p:clrMapOvr>
+  <p:timing>
+    <p:tnLst>
+      <p:par>
+        <p:cTn id="1" dur="indefinite" restart="never" nodeType="tmRoot"/>
+      </p:par>
+    </p:tnLst>
+  </p:timing>
+</p:sld>
+</file>
+
+<file path=ppt/slides/slide4.xml><?xml version="1.0" encoding="utf-8"?>
+<p:sld xmlns:a="http://schemas.openxmlformats.org/drawingml/2006/main" xmlns:r="http://schemas.openxmlformats.org/officeDocument/2006/relationships" xmlns:p="http://schemas.openxmlformats.org/presentationml/2006/main">
+  <p:cSld>
+    <p:spTree>
+      <p:nvGrpSpPr>
+        <p:cNvPr id="1" name=""/>
+        <p:cNvGrpSpPr/>
+        <p:nvPr/>
+      </p:nvGrpSpPr>
+      <p:grpSpPr>
+        <a:xfrm>
+          <a:off x="0" y="0"/>
+          <a:ext cx="0" cy="0"/>
+          <a:chOff x="0" y="0"/>
+          <a:chExt cx="0" cy="0"/>
+        </a:xfrm>
+      </p:grpSpPr>
+    </p:spTree>
+    <p:extLst>
+      <p:ext uri="{BB962C8B-B14F-4D97-AF65-F5344CB8AC3E}">
+        <p14:creationId xmlns:p14="http://schemas.microsoft.com/office/powerpoint/2010/main" val="653168898"/>
+      </p:ext>
+    </p:extLst>
+  </p:cSld>
+  <p:clrMapOvr>
+    <a:masterClrMapping/>
+  </p:clrMapOvr>
+  <p:timing>
+    <p:tnLst>
+      <p:par>
+        <p:cTn id="1" dur="indefinite" restart="never" nodeType="tmRoot"/>
+      </p:par>
+    </p:tnLst>
+  </p:timing>
 </p:sld>
 </file>
 

--- a/Presentation1.pptx
+++ b/Presentation1.pptx
@@ -3605,7 +3605,7 @@
           <a:p>
             <a:pPr algn="ctr"/>
             <a:r>
-              <a:rPr lang="en-US" smtClean="0"/>
+              <a:rPr lang="en-US" dirty="0" smtClean="0"/>
               <a:t>MedicationStatement</a:t>
             </a:r>
             <a:endParaRPr lang="en-US" dirty="0"/>
@@ -4576,6 +4576,475 @@
           <a:chExt cx="0" cy="0"/>
         </a:xfrm>
       </p:grpSpPr>
+      <p:sp>
+        <p:nvSpPr>
+          <p:cNvPr id="2" name="Rectangle 1"/>
+          <p:cNvSpPr/>
+          <p:nvPr/>
+        </p:nvSpPr>
+        <p:spPr>
+          <a:xfrm>
+            <a:off x="562709" y="844063"/>
+            <a:ext cx="10761784" cy="4009291"/>
+          </a:xfrm>
+          <a:prstGeom prst="rect">
+            <a:avLst/>
+          </a:prstGeom>
+          <a:solidFill>
+            <a:schemeClr val="accent6">
+              <a:lumMod val="20000"/>
+              <a:lumOff val="80000"/>
+            </a:schemeClr>
+          </a:solidFill>
+        </p:spPr>
+        <p:style>
+          <a:lnRef idx="2">
+            <a:schemeClr val="accent1">
+              <a:shade val="50000"/>
+            </a:schemeClr>
+          </a:lnRef>
+          <a:fillRef idx="1">
+            <a:schemeClr val="accent1"/>
+          </a:fillRef>
+          <a:effectRef idx="0">
+            <a:schemeClr val="accent1"/>
+          </a:effectRef>
+          <a:fontRef idx="minor">
+            <a:schemeClr val="lt1"/>
+          </a:fontRef>
+        </p:style>
+        <p:txBody>
+          <a:bodyPr rtlCol="0" anchor="ctr"/>
+          <a:lstStyle/>
+          <a:p>
+            <a:pPr algn="ctr"/>
+            <a:endParaRPr lang="en-US"/>
+          </a:p>
+        </p:txBody>
+      </p:sp>
+      <p:sp>
+        <p:nvSpPr>
+          <p:cNvPr id="3" name="Rounded Rectangle 2"/>
+          <p:cNvSpPr/>
+          <p:nvPr/>
+        </p:nvSpPr>
+        <p:spPr>
+          <a:xfrm>
+            <a:off x="8643715" y="1301857"/>
+            <a:ext cx="2460381" cy="891540"/>
+          </a:xfrm>
+          <a:prstGeom prst="roundRect">
+            <a:avLst/>
+          </a:prstGeom>
+          <a:ln>
+            <a:solidFill>
+              <a:schemeClr val="tx1"/>
+            </a:solidFill>
+          </a:ln>
+        </p:spPr>
+        <p:style>
+          <a:lnRef idx="1">
+            <a:schemeClr val="accent4"/>
+          </a:lnRef>
+          <a:fillRef idx="2">
+            <a:schemeClr val="accent4"/>
+          </a:fillRef>
+          <a:effectRef idx="1">
+            <a:schemeClr val="accent4"/>
+          </a:effectRef>
+          <a:fontRef idx="minor">
+            <a:schemeClr val="dk1"/>
+          </a:fontRef>
+        </p:style>
+        <p:txBody>
+          <a:bodyPr rtlCol="0" anchor="ctr"/>
+          <a:lstStyle/>
+          <a:p>
+            <a:pPr algn="ctr"/>
+            <a:r>
+              <a:rPr lang="en-US" dirty="0" smtClean="0"/>
+              <a:t>Medication[x]</a:t>
+            </a:r>
+            <a:endParaRPr lang="en-US" dirty="0"/>
+          </a:p>
+        </p:txBody>
+      </p:sp>
+      <p:sp>
+        <p:nvSpPr>
+          <p:cNvPr id="4" name="Rounded Rectangle 3"/>
+          <p:cNvSpPr/>
+          <p:nvPr/>
+        </p:nvSpPr>
+        <p:spPr>
+          <a:xfrm>
+            <a:off x="4749309" y="1617785"/>
+            <a:ext cx="2460381" cy="2110154"/>
+          </a:xfrm>
+          <a:prstGeom prst="roundRect">
+            <a:avLst/>
+          </a:prstGeom>
+          <a:ln>
+            <a:solidFill>
+              <a:schemeClr val="tx1"/>
+            </a:solidFill>
+          </a:ln>
+        </p:spPr>
+        <p:style>
+          <a:lnRef idx="1">
+            <a:schemeClr val="accent4"/>
+          </a:lnRef>
+          <a:fillRef idx="2">
+            <a:schemeClr val="accent4"/>
+          </a:fillRef>
+          <a:effectRef idx="1">
+            <a:schemeClr val="accent4"/>
+          </a:effectRef>
+          <a:fontRef idx="minor">
+            <a:schemeClr val="dk1"/>
+          </a:fontRef>
+        </p:style>
+        <p:txBody>
+          <a:bodyPr rtlCol="0" anchor="t"/>
+          <a:lstStyle/>
+          <a:p>
+            <a:pPr algn="ctr"/>
+            <a:r>
+              <a:rPr lang="en-US" dirty="0"/>
+              <a:t>Medication[x]</a:t>
+            </a:r>
+            <a:endParaRPr lang="en-US" dirty="0"/>
+          </a:p>
+        </p:txBody>
+      </p:sp>
+      <p:sp>
+        <p:nvSpPr>
+          <p:cNvPr id="5" name="Rounded Rectangle 4"/>
+          <p:cNvSpPr/>
+          <p:nvPr/>
+        </p:nvSpPr>
+        <p:spPr>
+          <a:xfrm>
+            <a:off x="752331" y="2149151"/>
+            <a:ext cx="2460381" cy="1134883"/>
+          </a:xfrm>
+          <a:prstGeom prst="roundRect">
+            <a:avLst/>
+          </a:prstGeom>
+          <a:ln>
+            <a:solidFill>
+              <a:schemeClr val="tx1"/>
+            </a:solidFill>
+          </a:ln>
+        </p:spPr>
+        <p:style>
+          <a:lnRef idx="1">
+            <a:schemeClr val="accent4"/>
+          </a:lnRef>
+          <a:fillRef idx="2">
+            <a:schemeClr val="accent4"/>
+          </a:fillRef>
+          <a:effectRef idx="1">
+            <a:schemeClr val="accent4"/>
+          </a:effectRef>
+          <a:fontRef idx="minor">
+            <a:schemeClr val="dk1"/>
+          </a:fontRef>
+        </p:style>
+        <p:txBody>
+          <a:bodyPr rtlCol="0" anchor="t"/>
+          <a:lstStyle/>
+          <a:p>
+            <a:pPr algn="ctr"/>
+            <a:r>
+              <a:rPr lang="en-US" dirty="0" smtClean="0"/>
+              <a:t>Medication[x]</a:t>
+            </a:r>
+          </a:p>
+          <a:p>
+            <a:pPr algn="ctr"/>
+            <a:endParaRPr lang="en-US" dirty="0"/>
+          </a:p>
+          <a:p>
+            <a:pPr algn="ctr"/>
+            <a:r>
+              <a:rPr lang="en-US" dirty="0" err="1" smtClean="0"/>
+              <a:t>RxNorm</a:t>
+            </a:r>
+            <a:r>
+              <a:rPr lang="en-US" dirty="0" smtClean="0"/>
+              <a:t> Code</a:t>
+            </a:r>
+            <a:endParaRPr lang="en-US" dirty="0"/>
+          </a:p>
+        </p:txBody>
+      </p:sp>
+      <p:sp>
+        <p:nvSpPr>
+          <p:cNvPr id="6" name="TextBox 5"/>
+          <p:cNvSpPr txBox="1"/>
+          <p:nvPr/>
+        </p:nvSpPr>
+        <p:spPr>
+          <a:xfrm flipH="1">
+            <a:off x="3684122" y="2335048"/>
+            <a:ext cx="564174" cy="584775"/>
+          </a:xfrm>
+          <a:prstGeom prst="rect">
+            <a:avLst/>
+          </a:prstGeom>
+          <a:noFill/>
+        </p:spPr>
+        <p:txBody>
+          <a:bodyPr wrap="square" rtlCol="0" anchor="ctr">
+            <a:spAutoFit/>
+          </a:bodyPr>
+          <a:lstStyle/>
+          <a:p>
+            <a:r>
+              <a:rPr lang="en-US" sz="3200" b="1" dirty="0" smtClean="0"/>
+              <a:t>or</a:t>
+            </a:r>
+            <a:endParaRPr lang="en-US" sz="3200" b="1" dirty="0"/>
+          </a:p>
+        </p:txBody>
+      </p:sp>
+      <p:sp>
+        <p:nvSpPr>
+          <p:cNvPr id="7" name="TextBox 6"/>
+          <p:cNvSpPr txBox="1"/>
+          <p:nvPr/>
+        </p:nvSpPr>
+        <p:spPr>
+          <a:xfrm flipH="1">
+            <a:off x="7647543" y="2335049"/>
+            <a:ext cx="752913" cy="584775"/>
+          </a:xfrm>
+          <a:prstGeom prst="rect">
+            <a:avLst/>
+          </a:prstGeom>
+          <a:noFill/>
+        </p:spPr>
+        <p:txBody>
+          <a:bodyPr wrap="square" rtlCol="0" anchor="ctr">
+            <a:spAutoFit/>
+          </a:bodyPr>
+          <a:lstStyle/>
+          <a:p>
+            <a:r>
+              <a:rPr lang="en-US" sz="3200" b="1" smtClean="0"/>
+              <a:t>or</a:t>
+            </a:r>
+            <a:endParaRPr lang="en-US" sz="3200" b="1" dirty="0"/>
+          </a:p>
+        </p:txBody>
+      </p:sp>
+      <p:sp>
+        <p:nvSpPr>
+          <p:cNvPr id="20" name="Rounded Rectangle 19"/>
+          <p:cNvSpPr/>
+          <p:nvPr/>
+        </p:nvSpPr>
+        <p:spPr>
+          <a:xfrm>
+            <a:off x="8643714" y="2960478"/>
+            <a:ext cx="2460381" cy="891540"/>
+          </a:xfrm>
+          <a:prstGeom prst="roundRect">
+            <a:avLst/>
+          </a:prstGeom>
+          <a:ln>
+            <a:solidFill>
+              <a:schemeClr val="tx1"/>
+            </a:solidFill>
+          </a:ln>
+        </p:spPr>
+        <p:style>
+          <a:lnRef idx="1">
+            <a:schemeClr val="accent4"/>
+          </a:lnRef>
+          <a:fillRef idx="2">
+            <a:schemeClr val="accent4"/>
+          </a:fillRef>
+          <a:effectRef idx="1">
+            <a:schemeClr val="accent4"/>
+          </a:effectRef>
+          <a:fontRef idx="minor">
+            <a:schemeClr val="dk1"/>
+          </a:fontRef>
+        </p:style>
+        <p:txBody>
+          <a:bodyPr rtlCol="0" anchor="ctr"/>
+          <a:lstStyle/>
+          <a:p>
+            <a:pPr algn="ctr"/>
+            <a:r>
+              <a:rPr lang="en-US" smtClean="0"/>
+              <a:t>Medication</a:t>
+            </a:r>
+            <a:endParaRPr lang="en-US" dirty="0"/>
+          </a:p>
+        </p:txBody>
+      </p:sp>
+      <p:cxnSp>
+        <p:nvCxnSpPr>
+          <p:cNvPr id="22" name="Straight Arrow Connector 21"/>
+          <p:cNvCxnSpPr>
+            <a:stCxn id="20" idx="0"/>
+          </p:cNvCxnSpPr>
+          <p:nvPr/>
+        </p:nvCxnSpPr>
+        <p:spPr>
+          <a:xfrm flipH="1" flipV="1">
+            <a:off x="9873904" y="2165263"/>
+            <a:ext cx="1" cy="795215"/>
+          </a:xfrm>
+          <a:prstGeom prst="straightConnector1">
+            <a:avLst/>
+          </a:prstGeom>
+          <a:ln w="38100">
+            <a:solidFill>
+              <a:schemeClr val="tx1"/>
+            </a:solidFill>
+            <a:tailEnd type="triangle" w="lg" len="lg"/>
+          </a:ln>
+        </p:spPr>
+        <p:style>
+          <a:lnRef idx="1">
+            <a:schemeClr val="accent1"/>
+          </a:lnRef>
+          <a:fillRef idx="0">
+            <a:schemeClr val="accent1"/>
+          </a:fillRef>
+          <a:effectRef idx="0">
+            <a:schemeClr val="accent1"/>
+          </a:effectRef>
+          <a:fontRef idx="minor">
+            <a:schemeClr val="tx1"/>
+          </a:fontRef>
+        </p:style>
+      </p:cxnSp>
+      <p:sp>
+        <p:nvSpPr>
+          <p:cNvPr id="25" name="TextBox 24"/>
+          <p:cNvSpPr txBox="1"/>
+          <p:nvPr/>
+        </p:nvSpPr>
+        <p:spPr>
+          <a:xfrm>
+            <a:off x="829993" y="4417254"/>
+            <a:ext cx="10274101" cy="369332"/>
+          </a:xfrm>
+          <a:prstGeom prst="rect">
+            <a:avLst/>
+          </a:prstGeom>
+          <a:noFill/>
+        </p:spPr>
+        <p:txBody>
+          <a:bodyPr wrap="square" rtlCol="0">
+            <a:spAutoFit/>
+          </a:bodyPr>
+          <a:lstStyle/>
+          <a:p>
+            <a:r>
+              <a:rPr lang="en-US" dirty="0" smtClean="0"/>
+              <a:t>Medication[x] = MedicationAdministration, MedicationDispense, MedicationRequest</a:t>
+            </a:r>
+            <a:r>
+              <a:rPr lang="en-US" smtClean="0"/>
+              <a:t>, MedicationStatement</a:t>
+            </a:r>
+            <a:endParaRPr lang="en-US"/>
+          </a:p>
+        </p:txBody>
+      </p:sp>
+      <p:sp>
+        <p:nvSpPr>
+          <p:cNvPr id="26" name="Rounded Rectangle 25"/>
+          <p:cNvSpPr/>
+          <p:nvPr/>
+        </p:nvSpPr>
+        <p:spPr>
+          <a:xfrm>
+            <a:off x="4867419" y="2588454"/>
+            <a:ext cx="2243794" cy="821201"/>
+          </a:xfrm>
+          <a:prstGeom prst="roundRect">
+            <a:avLst/>
+          </a:prstGeom>
+          <a:ln>
+            <a:solidFill>
+              <a:schemeClr val="tx1"/>
+            </a:solidFill>
+            <a:prstDash val="dash"/>
+          </a:ln>
+        </p:spPr>
+        <p:style>
+          <a:lnRef idx="1">
+            <a:schemeClr val="accent4"/>
+          </a:lnRef>
+          <a:fillRef idx="2">
+            <a:schemeClr val="accent4"/>
+          </a:fillRef>
+          <a:effectRef idx="1">
+            <a:schemeClr val="accent4"/>
+          </a:effectRef>
+          <a:fontRef idx="minor">
+            <a:schemeClr val="dk1"/>
+          </a:fontRef>
+        </p:style>
+        <p:txBody>
+          <a:bodyPr rtlCol="0" anchor="ctr"/>
+          <a:lstStyle/>
+          <a:p>
+            <a:pPr algn="ctr"/>
+            <a:r>
+              <a:rPr lang="en-US" dirty="0"/>
+              <a:t>c</a:t>
+            </a:r>
+            <a:r>
+              <a:rPr lang="en-US" dirty="0" smtClean="0"/>
+              <a:t>ontained Medication</a:t>
+            </a:r>
+            <a:endParaRPr lang="en-US" dirty="0"/>
+          </a:p>
+        </p:txBody>
+      </p:sp>
+      <p:cxnSp>
+        <p:nvCxnSpPr>
+          <p:cNvPr id="29" name="Straight Arrow Connector 28"/>
+          <p:cNvCxnSpPr/>
+          <p:nvPr/>
+        </p:nvCxnSpPr>
+        <p:spPr>
+          <a:xfrm flipH="1" flipV="1">
+            <a:off x="5949097" y="2060729"/>
+            <a:ext cx="19484" cy="548638"/>
+          </a:xfrm>
+          <a:prstGeom prst="straightConnector1">
+            <a:avLst/>
+          </a:prstGeom>
+          <a:ln w="38100">
+            <a:solidFill>
+              <a:schemeClr val="tx1"/>
+            </a:solidFill>
+            <a:tailEnd type="triangle" w="lg" len="lg"/>
+          </a:ln>
+        </p:spPr>
+        <p:style>
+          <a:lnRef idx="1">
+            <a:schemeClr val="accent1"/>
+          </a:lnRef>
+          <a:fillRef idx="0">
+            <a:schemeClr val="accent1"/>
+          </a:fillRef>
+          <a:effectRef idx="0">
+            <a:schemeClr val="accent1"/>
+          </a:effectRef>
+          <a:fontRef idx="minor">
+            <a:schemeClr val="tx1"/>
+          </a:fontRef>
+        </p:style>
+      </p:cxnSp>
     </p:spTree>
     <p:extLst>
       <p:ext uri="{BB962C8B-B14F-4D97-AF65-F5344CB8AC3E}">

--- a/Presentation1.pptx
+++ b/Presentation1.pptx
@@ -246,7 +246,7 @@
           <a:p>
             <a:fld id="{1FB263E7-E33E-034F-A015-DA30751464E1}" type="datetimeFigureOut">
               <a:rPr lang="en-US" smtClean="0"/>
-              <a:t>3/6/17</a:t>
+              <a:t>3/27/17</a:t>
             </a:fld>
             <a:endParaRPr lang="en-US"/>
           </a:p>
@@ -416,7 +416,7 @@
           <a:p>
             <a:fld id="{1FB263E7-E33E-034F-A015-DA30751464E1}" type="datetimeFigureOut">
               <a:rPr lang="en-US" smtClean="0"/>
-              <a:t>3/6/17</a:t>
+              <a:t>3/27/17</a:t>
             </a:fld>
             <a:endParaRPr lang="en-US"/>
           </a:p>
@@ -596,7 +596,7 @@
           <a:p>
             <a:fld id="{1FB263E7-E33E-034F-A015-DA30751464E1}" type="datetimeFigureOut">
               <a:rPr lang="en-US" smtClean="0"/>
-              <a:t>3/6/17</a:t>
+              <a:t>3/27/17</a:t>
             </a:fld>
             <a:endParaRPr lang="en-US"/>
           </a:p>
@@ -766,7 +766,7 @@
           <a:p>
             <a:fld id="{1FB263E7-E33E-034F-A015-DA30751464E1}" type="datetimeFigureOut">
               <a:rPr lang="en-US" smtClean="0"/>
-              <a:t>3/6/17</a:t>
+              <a:t>3/27/17</a:t>
             </a:fld>
             <a:endParaRPr lang="en-US"/>
           </a:p>
@@ -1012,7 +1012,7 @@
           <a:p>
             <a:fld id="{1FB263E7-E33E-034F-A015-DA30751464E1}" type="datetimeFigureOut">
               <a:rPr lang="en-US" smtClean="0"/>
-              <a:t>3/6/17</a:t>
+              <a:t>3/27/17</a:t>
             </a:fld>
             <a:endParaRPr lang="en-US"/>
           </a:p>
@@ -1244,7 +1244,7 @@
           <a:p>
             <a:fld id="{1FB263E7-E33E-034F-A015-DA30751464E1}" type="datetimeFigureOut">
               <a:rPr lang="en-US" smtClean="0"/>
-              <a:t>3/6/17</a:t>
+              <a:t>3/27/17</a:t>
             </a:fld>
             <a:endParaRPr lang="en-US"/>
           </a:p>
@@ -1611,7 +1611,7 @@
           <a:p>
             <a:fld id="{1FB263E7-E33E-034F-A015-DA30751464E1}" type="datetimeFigureOut">
               <a:rPr lang="en-US" smtClean="0"/>
-              <a:t>3/6/17</a:t>
+              <a:t>3/27/17</a:t>
             </a:fld>
             <a:endParaRPr lang="en-US"/>
           </a:p>
@@ -1729,7 +1729,7 @@
           <a:p>
             <a:fld id="{1FB263E7-E33E-034F-A015-DA30751464E1}" type="datetimeFigureOut">
               <a:rPr lang="en-US" smtClean="0"/>
-              <a:t>3/6/17</a:t>
+              <a:t>3/27/17</a:t>
             </a:fld>
             <a:endParaRPr lang="en-US"/>
           </a:p>
@@ -1824,7 +1824,7 @@
           <a:p>
             <a:fld id="{1FB263E7-E33E-034F-A015-DA30751464E1}" type="datetimeFigureOut">
               <a:rPr lang="en-US" smtClean="0"/>
-              <a:t>3/6/17</a:t>
+              <a:t>3/27/17</a:t>
             </a:fld>
             <a:endParaRPr lang="en-US"/>
           </a:p>
@@ -2101,7 +2101,7 @@
           <a:p>
             <a:fld id="{1FB263E7-E33E-034F-A015-DA30751464E1}" type="datetimeFigureOut">
               <a:rPr lang="en-US" smtClean="0"/>
-              <a:t>3/6/17</a:t>
+              <a:t>3/27/17</a:t>
             </a:fld>
             <a:endParaRPr lang="en-US"/>
           </a:p>
@@ -2358,7 +2358,7 @@
           <a:p>
             <a:fld id="{1FB263E7-E33E-034F-A015-DA30751464E1}" type="datetimeFigureOut">
               <a:rPr lang="en-US" smtClean="0"/>
-              <a:t>3/6/17</a:t>
+              <a:t>3/27/17</a:t>
             </a:fld>
             <a:endParaRPr lang="en-US"/>
           </a:p>
@@ -2571,7 +2571,7 @@
           <a:p>
             <a:fld id="{1FB263E7-E33E-034F-A015-DA30751464E1}" type="datetimeFigureOut">
               <a:rPr lang="en-US" smtClean="0"/>
-              <a:t>3/6/17</a:t>
+              <a:t>3/27/17</a:t>
             </a:fld>
             <a:endParaRPr lang="en-US"/>
           </a:p>
@@ -2984,7 +2984,7 @@
         </p:nvSpPr>
         <p:spPr>
           <a:xfrm>
-            <a:off x="5486400" y="1688123"/>
+            <a:off x="5470277" y="1688484"/>
             <a:ext cx="3951557" cy="4023360"/>
           </a:xfrm>
           <a:prstGeom prst="rect">
@@ -3078,7 +3078,7 @@
         </p:nvSpPr>
         <p:spPr>
           <a:xfrm>
-            <a:off x="1935332" y="3574363"/>
+            <a:off x="2044504" y="2880684"/>
             <a:ext cx="2460381" cy="891540"/>
           </a:xfrm>
           <a:prstGeom prst="roundRect">
@@ -3158,7 +3158,7 @@
             <a:pPr algn="ctr"/>
             <a:r>
               <a:rPr lang="en-US" dirty="0" smtClean="0"/>
-              <a:t>MedicationDispense</a:t>
+              <a:t>MedicationAdministration</a:t>
             </a:r>
             <a:endParaRPr lang="en-US" dirty="0"/>
           </a:p>
@@ -3205,7 +3205,7 @@
             <a:pPr algn="ctr"/>
             <a:r>
               <a:rPr lang="en-US" dirty="0" smtClean="0"/>
-              <a:t>MedicationAdministration</a:t>
+              <a:t>MedicationDispense</a:t>
             </a:r>
             <a:endParaRPr lang="en-US" dirty="0"/>
           </a:p>
@@ -3221,9 +3221,9 @@
           <p:nvPr/>
         </p:nvCxnSpPr>
         <p:spPr>
-          <a:xfrm flipV="1">
-            <a:off x="4395713" y="3326454"/>
-            <a:ext cx="1596100" cy="693679"/>
+          <a:xfrm>
+            <a:off x="4504885" y="3326454"/>
+            <a:ext cx="1486928" cy="0"/>
           </a:xfrm>
           <a:prstGeom prst="straightConnector1">
             <a:avLst/>
@@ -3250,75 +3250,6 @@
           </a:fontRef>
         </p:style>
       </p:cxnSp>
-      <p:cxnSp>
-        <p:nvCxnSpPr>
-          <p:cNvPr id="19" name="Straight Arrow Connector 18"/>
-          <p:cNvCxnSpPr>
-            <a:stCxn id="8" idx="3"/>
-            <a:endCxn id="9" idx="1"/>
-          </p:cNvCxnSpPr>
-          <p:nvPr/>
-        </p:nvCxnSpPr>
-        <p:spPr>
-          <a:xfrm>
-            <a:off x="4395713" y="4020133"/>
-            <a:ext cx="1588037" cy="1047127"/>
-          </a:xfrm>
-          <a:prstGeom prst="straightConnector1">
-            <a:avLst/>
-          </a:prstGeom>
-          <a:ln w="38100">
-            <a:solidFill>
-              <a:schemeClr val="tx1"/>
-            </a:solidFill>
-            <a:tailEnd type="triangle" w="lg" len="lg"/>
-          </a:ln>
-        </p:spPr>
-        <p:style>
-          <a:lnRef idx="1">
-            <a:schemeClr val="accent1"/>
-          </a:lnRef>
-          <a:fillRef idx="0">
-            <a:schemeClr val="accent1"/>
-          </a:fillRef>
-          <a:effectRef idx="0">
-            <a:schemeClr val="accent1"/>
-          </a:effectRef>
-          <a:fontRef idx="minor">
-            <a:schemeClr val="tx1"/>
-          </a:fontRef>
-        </p:style>
-      </p:cxnSp>
-      <p:sp>
-        <p:nvSpPr>
-          <p:cNvPr id="29" name="TextBox 28"/>
-          <p:cNvSpPr txBox="1"/>
-          <p:nvPr/>
-        </p:nvSpPr>
-        <p:spPr>
-          <a:xfrm flipH="1">
-            <a:off x="7054361" y="3875316"/>
-            <a:ext cx="651215" cy="584775"/>
-          </a:xfrm>
-          <a:prstGeom prst="rect">
-            <a:avLst/>
-          </a:prstGeom>
-          <a:noFill/>
-        </p:spPr>
-        <p:txBody>
-          <a:bodyPr wrap="square" rtlCol="0" anchor="ctr">
-            <a:spAutoFit/>
-          </a:bodyPr>
-          <a:lstStyle/>
-          <a:p>
-            <a:r>
-              <a:rPr lang="en-US" sz="3200" b="1" dirty="0" smtClean="0"/>
-              <a:t>or</a:t>
-            </a:r>
-            <a:endParaRPr lang="en-US" sz="3200" b="1" dirty="0"/>
-          </a:p>
-        </p:txBody>
-      </p:sp>
       <p:sp>
         <p:nvSpPr>
           <p:cNvPr id="30" name="TextBox 29"/>
@@ -3327,7 +3258,7 @@
         </p:nvSpPr>
         <p:spPr>
           <a:xfrm>
-            <a:off x="1287196" y="413679"/>
+            <a:off x="1287196" y="314435"/>
             <a:ext cx="8398407" cy="461665"/>
           </a:xfrm>
           <a:prstGeom prst="rect">
@@ -3358,15 +3289,7 @@
             <a:pPr algn="ctr"/>
             <a:r>
               <a:rPr lang="en-US" sz="2400" b="1" dirty="0" smtClean="0"/>
-              <a:t>Figure 1: FHIR </a:t>
-            </a:r>
-            <a:r>
-              <a:rPr lang="en-US" sz="2400" b="1" dirty="0" smtClean="0"/>
-              <a:t>Medication </a:t>
-            </a:r>
-            <a:r>
-              <a:rPr lang="en-US" sz="2400" b="1" dirty="0" smtClean="0"/>
-              <a:t>Order and Fulfillment</a:t>
+              <a:t>Figure 1: FHIR Medication Order and Fulfillment</a:t>
             </a:r>
             <a:endParaRPr lang="en-US" sz="2400" b="1" dirty="0"/>
           </a:p>
@@ -3434,6 +3357,44 @@
           </a:p>
         </p:txBody>
       </p:sp>
+      <p:cxnSp>
+        <p:nvCxnSpPr>
+          <p:cNvPr id="13" name="Straight Arrow Connector 12"/>
+          <p:cNvCxnSpPr>
+            <a:stCxn id="10" idx="2"/>
+          </p:cNvCxnSpPr>
+          <p:nvPr/>
+        </p:nvCxnSpPr>
+        <p:spPr>
+          <a:xfrm flipH="1">
+            <a:off x="7379967" y="3772224"/>
+            <a:ext cx="8063" cy="870403"/>
+          </a:xfrm>
+          <a:prstGeom prst="straightConnector1">
+            <a:avLst/>
+          </a:prstGeom>
+          <a:ln w="38100">
+            <a:solidFill>
+              <a:schemeClr val="tx1"/>
+            </a:solidFill>
+            <a:tailEnd type="triangle" w="lg" len="lg"/>
+          </a:ln>
+        </p:spPr>
+        <p:style>
+          <a:lnRef idx="1">
+            <a:schemeClr val="accent1"/>
+          </a:lnRef>
+          <a:fillRef idx="0">
+            <a:schemeClr val="accent1"/>
+          </a:fillRef>
+          <a:effectRef idx="0">
+            <a:schemeClr val="accent1"/>
+          </a:effectRef>
+          <a:fontRef idx="minor">
+            <a:schemeClr val="tx1"/>
+          </a:fontRef>
+        </p:style>
+      </p:cxnSp>
     </p:spTree>
     <p:extLst>
       <p:ext uri="{BB962C8B-B14F-4D97-AF65-F5344CB8AC3E}">
@@ -3479,8 +3440,8 @@
         </p:nvSpPr>
         <p:spPr>
           <a:xfrm>
-            <a:off x="5486400" y="1688123"/>
-            <a:ext cx="3951557" cy="4023360"/>
+            <a:off x="5486400" y="1688122"/>
+            <a:ext cx="3951557" cy="4677953"/>
           </a:xfrm>
           <a:prstGeom prst="rect">
             <a:avLst/>
@@ -3526,8 +3487,8 @@
         </p:nvSpPr>
         <p:spPr>
           <a:xfrm>
-            <a:off x="1534843" y="1688484"/>
-            <a:ext cx="3951557" cy="4023360"/>
+            <a:off x="1534843" y="1688483"/>
+            <a:ext cx="3951557" cy="4677953"/>
           </a:xfrm>
           <a:prstGeom prst="rect">
             <a:avLst/>
@@ -3573,7 +3534,7 @@
         </p:nvSpPr>
         <p:spPr>
           <a:xfrm>
-            <a:off x="5991812" y="3700248"/>
+            <a:off x="6116366" y="3758086"/>
             <a:ext cx="2792435" cy="891540"/>
           </a:xfrm>
           <a:prstGeom prst="roundRect">
@@ -3620,8 +3581,8 @@
         </p:nvSpPr>
         <p:spPr>
           <a:xfrm>
-            <a:off x="2040255" y="4635127"/>
-            <a:ext cx="2792435" cy="891540"/>
+            <a:off x="2015555" y="5346361"/>
+            <a:ext cx="2817133" cy="891540"/>
           </a:xfrm>
           <a:prstGeom prst="roundRect">
             <a:avLst/>
@@ -3652,8 +3613,16 @@
           <a:p>
             <a:pPr algn="ctr"/>
             <a:r>
-              <a:rPr lang="en-US" smtClean="0"/>
-              <a:t>Derived From the System’s MedicationRequest resources</a:t>
+              <a:rPr lang="en-US" dirty="0" smtClean="0"/>
+              <a:t>System’s </a:t>
+            </a:r>
+            <a:r>
+              <a:rPr lang="en-US" dirty="0"/>
+              <a:t>M</a:t>
+            </a:r>
+            <a:r>
+              <a:rPr lang="en-US" dirty="0" smtClean="0"/>
+              <a:t>edication Orders</a:t>
             </a:r>
             <a:endParaRPr lang="en-US" dirty="0"/>
           </a:p>
@@ -3662,13 +3631,15 @@
       <p:cxnSp>
         <p:nvCxnSpPr>
           <p:cNvPr id="18" name="Straight Arrow Connector 17"/>
-          <p:cNvCxnSpPr/>
+          <p:cNvCxnSpPr>
+            <a:endCxn id="28" idx="3"/>
+          </p:cNvCxnSpPr>
           <p:nvPr/>
         </p:nvCxnSpPr>
         <p:spPr>
           <a:xfrm flipH="1" flipV="1">
-            <a:off x="4832688" y="3276758"/>
-            <a:ext cx="1143000" cy="927098"/>
+            <a:off x="4807989" y="3808411"/>
+            <a:ext cx="1296028" cy="280847"/>
           </a:xfrm>
           <a:prstGeom prst="straightConnector1">
             <a:avLst/>
@@ -3704,8 +3675,8 @@
         </p:nvCxnSpPr>
         <p:spPr>
           <a:xfrm flipH="1">
-            <a:off x="4848814" y="4189357"/>
-            <a:ext cx="1126875" cy="976592"/>
+            <a:off x="4854529" y="4573432"/>
+            <a:ext cx="1261837" cy="1218699"/>
           </a:xfrm>
           <a:prstGeom prst="straightConnector1">
             <a:avLst/>
@@ -3758,7 +3729,11 @@
             <a:pPr algn="ctr"/>
             <a:r>
               <a:rPr lang="en-US" dirty="0" smtClean="0"/>
-              <a:t>Source of information for MedicationStatement</a:t>
+              <a:t>Sources </a:t>
+            </a:r>
+            <a:r>
+              <a:rPr lang="en-US" dirty="0" smtClean="0"/>
+              <a:t>of information for MedicationStatement</a:t>
             </a:r>
             <a:endParaRPr lang="en-US" dirty="0"/>
           </a:p>
@@ -3811,7 +3786,7 @@
         </p:nvSpPr>
         <p:spPr>
           <a:xfrm>
-            <a:off x="2040255" y="2866546"/>
+            <a:off x="2015554" y="3362641"/>
             <a:ext cx="2792435" cy="891540"/>
           </a:xfrm>
           <a:prstGeom prst="roundRect">
@@ -3844,15 +3819,7 @@
             <a:pPr algn="ctr"/>
             <a:r>
               <a:rPr lang="en-US" dirty="0" smtClean="0"/>
-              <a:t>Patient </a:t>
-            </a:r>
-            <a:r>
-              <a:rPr lang="en-US" dirty="0"/>
-              <a:t>Reported </a:t>
-            </a:r>
-            <a:r>
-              <a:rPr lang="en-US" dirty="0" smtClean="0"/>
-              <a:t>Medications </a:t>
+              <a:t>A Related Person (e.g., spouse)</a:t>
             </a:r>
             <a:endParaRPr lang="en-US" dirty="0"/>
           </a:p>
@@ -3903,6 +3870,176 @@
           </a:p>
         </p:txBody>
       </p:sp>
+      <p:sp>
+        <p:nvSpPr>
+          <p:cNvPr id="13" name="Rounded Rectangle 12"/>
+          <p:cNvSpPr/>
+          <p:nvPr/>
+        </p:nvSpPr>
+        <p:spPr>
+          <a:xfrm>
+            <a:off x="2015555" y="2385218"/>
+            <a:ext cx="2792435" cy="891540"/>
+          </a:xfrm>
+          <a:prstGeom prst="roundRect">
+            <a:avLst/>
+          </a:prstGeom>
+          <a:ln>
+            <a:solidFill>
+              <a:schemeClr val="tx1"/>
+            </a:solidFill>
+          </a:ln>
+        </p:spPr>
+        <p:style>
+          <a:lnRef idx="1">
+            <a:schemeClr val="accent4"/>
+          </a:lnRef>
+          <a:fillRef idx="2">
+            <a:schemeClr val="accent4"/>
+          </a:fillRef>
+          <a:effectRef idx="1">
+            <a:schemeClr val="accent4"/>
+          </a:effectRef>
+          <a:fontRef idx="minor">
+            <a:schemeClr val="dk1"/>
+          </a:fontRef>
+        </p:style>
+        <p:txBody>
+          <a:bodyPr rtlCol="0" anchor="ctr"/>
+          <a:lstStyle/>
+          <a:p>
+            <a:pPr algn="ctr"/>
+            <a:r>
+              <a:rPr lang="en-US" dirty="0" smtClean="0"/>
+              <a:t>The Patient</a:t>
+            </a:r>
+            <a:endParaRPr lang="en-US" dirty="0"/>
+          </a:p>
+        </p:txBody>
+      </p:sp>
+      <p:sp>
+        <p:nvSpPr>
+          <p:cNvPr id="15" name="Rounded Rectangle 14"/>
+          <p:cNvSpPr/>
+          <p:nvPr/>
+        </p:nvSpPr>
+        <p:spPr>
+          <a:xfrm>
+            <a:off x="2031660" y="4359314"/>
+            <a:ext cx="2792435" cy="891540"/>
+          </a:xfrm>
+          <a:prstGeom prst="roundRect">
+            <a:avLst/>
+          </a:prstGeom>
+          <a:ln>
+            <a:solidFill>
+              <a:schemeClr val="tx1"/>
+            </a:solidFill>
+          </a:ln>
+        </p:spPr>
+        <p:style>
+          <a:lnRef idx="1">
+            <a:schemeClr val="accent4"/>
+          </a:lnRef>
+          <a:fillRef idx="2">
+            <a:schemeClr val="accent4"/>
+          </a:fillRef>
+          <a:effectRef idx="1">
+            <a:schemeClr val="accent4"/>
+          </a:effectRef>
+          <a:fontRef idx="minor">
+            <a:schemeClr val="dk1"/>
+          </a:fontRef>
+        </p:style>
+        <p:txBody>
+          <a:bodyPr rtlCol="0" anchor="ctr"/>
+          <a:lstStyle/>
+          <a:p>
+            <a:pPr algn="ctr"/>
+            <a:r>
+              <a:rPr lang="en-US" dirty="0" smtClean="0"/>
+              <a:t>A Practitioner</a:t>
+            </a:r>
+            <a:endParaRPr lang="en-US" dirty="0"/>
+          </a:p>
+        </p:txBody>
+      </p:sp>
+      <p:cxnSp>
+        <p:nvCxnSpPr>
+          <p:cNvPr id="16" name="Straight Arrow Connector 15"/>
+          <p:cNvCxnSpPr>
+            <a:endCxn id="15" idx="3"/>
+          </p:cNvCxnSpPr>
+          <p:nvPr/>
+        </p:nvCxnSpPr>
+        <p:spPr>
+          <a:xfrm flipH="1">
+            <a:off x="4824095" y="4284114"/>
+            <a:ext cx="1292271" cy="520970"/>
+          </a:xfrm>
+          <a:prstGeom prst="straightConnector1">
+            <a:avLst/>
+          </a:prstGeom>
+          <a:ln w="38100">
+            <a:solidFill>
+              <a:schemeClr val="tx1"/>
+            </a:solidFill>
+            <a:headEnd type="triangle" w="lg" len="lg"/>
+            <a:tailEnd type="none" w="lg" len="lg"/>
+          </a:ln>
+        </p:spPr>
+        <p:style>
+          <a:lnRef idx="1">
+            <a:schemeClr val="accent1"/>
+          </a:lnRef>
+          <a:fillRef idx="0">
+            <a:schemeClr val="accent1"/>
+          </a:fillRef>
+          <a:effectRef idx="0">
+            <a:schemeClr val="accent1"/>
+          </a:effectRef>
+          <a:fontRef idx="minor">
+            <a:schemeClr val="tx1"/>
+          </a:fontRef>
+        </p:style>
+      </p:cxnSp>
+      <p:cxnSp>
+        <p:nvCxnSpPr>
+          <p:cNvPr id="17" name="Straight Arrow Connector 16"/>
+          <p:cNvCxnSpPr/>
+          <p:nvPr/>
+        </p:nvCxnSpPr>
+        <p:spPr>
+          <a:xfrm flipH="1" flipV="1">
+            <a:off x="4820338" y="2804490"/>
+            <a:ext cx="1296028" cy="1033854"/>
+          </a:xfrm>
+          <a:prstGeom prst="straightConnector1">
+            <a:avLst/>
+          </a:prstGeom>
+          <a:ln w="38100">
+            <a:solidFill>
+              <a:schemeClr val="tx1"/>
+            </a:solidFill>
+            <a:headEnd type="triangle" w="lg" len="lg"/>
+            <a:tailEnd type="none" w="lg" len="lg"/>
+          </a:ln>
+        </p:spPr>
+        <p:style>
+          <a:lnRef idx="1">
+            <a:schemeClr val="accent1"/>
+          </a:lnRef>
+          <a:fillRef idx="0">
+            <a:schemeClr val="accent1"/>
+          </a:fillRef>
+          <a:effectRef idx="0">
+            <a:schemeClr val="accent1"/>
+          </a:effectRef>
+          <a:fontRef idx="minor">
+            <a:schemeClr val="tx1"/>
+          </a:fontRef>
+        </p:style>
+      </p:cxnSp>
     </p:spTree>
     <p:extLst>
       <p:ext uri="{BB962C8B-B14F-4D97-AF65-F5344CB8AC3E}">
@@ -4168,11 +4305,7 @@
             <a:pPr algn="ctr"/>
             <a:r>
               <a:rPr lang="en-US" dirty="0" smtClean="0"/>
-              <a:t>Derived From </a:t>
-            </a:r>
-            <a:r>
-              <a:rPr lang="en-US" dirty="0" smtClean="0"/>
-              <a:t>the System’s MedicationRequest</a:t>
+              <a:t>Derived From the System’s MedicationRequest</a:t>
             </a:r>
             <a:endParaRPr lang="en-US" dirty="0"/>
           </a:p>
@@ -4584,7 +4717,7 @@
         </p:nvSpPr>
         <p:spPr>
           <a:xfrm>
-            <a:off x="562709" y="844063"/>
+            <a:off x="568205" y="915177"/>
             <a:ext cx="10761784" cy="4009291"/>
           </a:xfrm>
           <a:prstGeom prst="rect">
@@ -4662,8 +4795,8 @@
           <a:p>
             <a:pPr algn="ctr"/>
             <a:r>
-              <a:rPr lang="en-US" dirty="0" smtClean="0"/>
-              <a:t>Medication[x]</a:t>
+              <a:rPr lang="en-US" dirty="0" err="1" smtClean="0"/>
+              <a:t>MedicationX</a:t>
             </a:r>
             <a:endParaRPr lang="en-US" dirty="0"/>
           </a:p>
@@ -4709,8 +4842,8 @@
           <a:p>
             <a:pPr algn="ctr"/>
             <a:r>
-              <a:rPr lang="en-US" dirty="0"/>
-              <a:t>Medication[x]</a:t>
+              <a:rPr lang="en-US" dirty="0" err="1" smtClean="0"/>
+              <a:t>MedicationX</a:t>
             </a:r>
             <a:endParaRPr lang="en-US" dirty="0"/>
           </a:p>
@@ -4756,9 +4889,10 @@
           <a:p>
             <a:pPr algn="ctr"/>
             <a:r>
-              <a:rPr lang="en-US" dirty="0" smtClean="0"/>
-              <a:t>Medication[x]</a:t>
-            </a:r>
+              <a:rPr lang="en-US" dirty="0" err="1" smtClean="0"/>
+              <a:t>MedicationX</a:t>
+            </a:r>
+            <a:endParaRPr lang="en-US" dirty="0" smtClean="0"/>
           </a:p>
           <a:p>
             <a:pPr algn="ctr"/>
@@ -4905,7 +5039,8 @@
             <a:solidFill>
               <a:schemeClr val="tx1"/>
             </a:solidFill>
-            <a:tailEnd type="triangle" w="lg" len="lg"/>
+            <a:headEnd type="triangle" w="lg" len="lg"/>
+            <a:tailEnd type="none" w="lg" len="lg"/>
           </a:ln>
         </p:spPr>
         <p:style>
@@ -4931,8 +5066,8 @@
         </p:nvSpPr>
         <p:spPr>
           <a:xfrm>
-            <a:off x="829993" y="4417254"/>
-            <a:ext cx="10274101" cy="369332"/>
+            <a:off x="829993" y="4282784"/>
+            <a:ext cx="10274101" cy="646331"/>
           </a:xfrm>
           <a:prstGeom prst="rect">
             <a:avLst/>
@@ -4946,14 +5081,30 @@
           <a:lstStyle/>
           <a:p>
             <a:r>
+              <a:rPr lang="en-US" dirty="0" err="1" smtClean="0"/>
+              <a:t>MedicationX</a:t>
+            </a:r>
+            <a:r>
               <a:rPr lang="en-US" dirty="0" smtClean="0"/>
-              <a:t>Medication[x] = MedicationAdministration, MedicationDispense, MedicationRequest</a:t>
-            </a:r>
-            <a:r>
-              <a:rPr lang="en-US" smtClean="0"/>
-              <a:t>, MedicationStatement</a:t>
-            </a:r>
-            <a:endParaRPr lang="en-US"/>
+              <a:t> </a:t>
+            </a:r>
+            <a:r>
+              <a:rPr lang="en-US" dirty="0" smtClean="0"/>
+              <a:t>= </a:t>
+            </a:r>
+            <a:r>
+              <a:rPr lang="en-US" dirty="0" smtClean="0"/>
+              <a:t>Medication, MedicationAdministration</a:t>
+            </a:r>
+            <a:r>
+              <a:rPr lang="en-US" dirty="0" smtClean="0"/>
+              <a:t>, MedicationDispense, MedicationRequest, </a:t>
+            </a:r>
+            <a:r>
+              <a:rPr lang="en-US" dirty="0" err="1" smtClean="0"/>
+              <a:t>MedicationStatement</a:t>
+            </a:r>
+            <a:endParaRPr lang="en-US" dirty="0"/>
           </a:p>
         </p:txBody>
       </p:sp>
@@ -5027,7 +5178,8 @@
             <a:solidFill>
               <a:schemeClr val="tx1"/>
             </a:solidFill>
-            <a:tailEnd type="triangle" w="lg" len="lg"/>
+            <a:headEnd type="triangle" w="lg" len="lg"/>
+            <a:tailEnd type="none" w="lg" len="lg"/>
           </a:ln>
         </p:spPr>
         <p:style>
